--- a/4年生前期末特別制作企画書.pptx
+++ b/4年生前期末特別制作企画書.pptx
@@ -7,6 +7,7 @@
   <p:sldIdLst>
     <p:sldId id="256" r:id="rId2"/>
     <p:sldId id="257" r:id="rId3"/>
+    <p:sldId id="258" r:id="rId4"/>
   </p:sldIdLst>
   <p:sldSz cx="12192000" cy="6858000"/>
   <p:notesSz cx="6858000" cy="9144000"/>
@@ -105,6 +106,11 @@
       </a:defRPr>
     </a:lvl9pPr>
   </p:defaultTextStyle>
+  <p:extLst>
+    <p:ext uri="{EFAFB233-063F-42B5-8137-9DF3F51BA10A}">
+      <p15:sldGuideLst xmlns:p15="http://schemas.microsoft.com/office/powerpoint/2012/main"/>
+    </p:ext>
+  </p:extLst>
 </p:presentation>
 </file>
 
@@ -255,7 +261,7 @@
           <a:p>
             <a:fld id="{39F3AF69-FC96-42F8-9118-FF9CEC7241D0}" type="datetimeFigureOut">
               <a:rPr kumimoji="1" lang="ja-JP" altLang="en-US" smtClean="0"/>
-              <a:t>2020/9/10</a:t>
+              <a:t>2020/9/15</a:t>
             </a:fld>
             <a:endParaRPr kumimoji="1" lang="ja-JP" altLang="en-US"/>
           </a:p>
@@ -485,7 +491,7 @@
           <a:p>
             <a:fld id="{39F3AF69-FC96-42F8-9118-FF9CEC7241D0}" type="datetimeFigureOut">
               <a:rPr kumimoji="1" lang="ja-JP" altLang="en-US" smtClean="0"/>
-              <a:t>2020/9/10</a:t>
+              <a:t>2020/9/15</a:t>
             </a:fld>
             <a:endParaRPr kumimoji="1" lang="ja-JP" altLang="en-US"/>
           </a:p>
@@ -725,7 +731,7 @@
           <a:p>
             <a:fld id="{39F3AF69-FC96-42F8-9118-FF9CEC7241D0}" type="datetimeFigureOut">
               <a:rPr kumimoji="1" lang="ja-JP" altLang="en-US" smtClean="0"/>
-              <a:t>2020/9/10</a:t>
+              <a:t>2020/9/15</a:t>
             </a:fld>
             <a:endParaRPr kumimoji="1" lang="ja-JP" altLang="en-US"/>
           </a:p>
@@ -955,7 +961,7 @@
           <a:p>
             <a:fld id="{39F3AF69-FC96-42F8-9118-FF9CEC7241D0}" type="datetimeFigureOut">
               <a:rPr kumimoji="1" lang="ja-JP" altLang="en-US" smtClean="0"/>
-              <a:t>2020/9/10</a:t>
+              <a:t>2020/9/15</a:t>
             </a:fld>
             <a:endParaRPr kumimoji="1" lang="ja-JP" altLang="en-US"/>
           </a:p>
@@ -1230,7 +1236,7 @@
           <a:p>
             <a:fld id="{39F3AF69-FC96-42F8-9118-FF9CEC7241D0}" type="datetimeFigureOut">
               <a:rPr kumimoji="1" lang="ja-JP" altLang="en-US" smtClean="0"/>
-              <a:t>2020/9/10</a:t>
+              <a:t>2020/9/15</a:t>
             </a:fld>
             <a:endParaRPr kumimoji="1" lang="ja-JP" altLang="en-US"/>
           </a:p>
@@ -1559,7 +1565,7 @@
           <a:p>
             <a:fld id="{39F3AF69-FC96-42F8-9118-FF9CEC7241D0}" type="datetimeFigureOut">
               <a:rPr kumimoji="1" lang="ja-JP" altLang="en-US" smtClean="0"/>
-              <a:t>2020/9/10</a:t>
+              <a:t>2020/9/15</a:t>
             </a:fld>
             <a:endParaRPr kumimoji="1" lang="ja-JP" altLang="en-US"/>
           </a:p>
@@ -2035,7 +2041,7 @@
           <a:p>
             <a:fld id="{39F3AF69-FC96-42F8-9118-FF9CEC7241D0}" type="datetimeFigureOut">
               <a:rPr kumimoji="1" lang="ja-JP" altLang="en-US" smtClean="0"/>
-              <a:t>2020/9/10</a:t>
+              <a:t>2020/9/15</a:t>
             </a:fld>
             <a:endParaRPr kumimoji="1" lang="ja-JP" altLang="en-US"/>
           </a:p>
@@ -2176,7 +2182,7 @@
           <a:p>
             <a:fld id="{39F3AF69-FC96-42F8-9118-FF9CEC7241D0}" type="datetimeFigureOut">
               <a:rPr kumimoji="1" lang="ja-JP" altLang="en-US" smtClean="0"/>
-              <a:t>2020/9/10</a:t>
+              <a:t>2020/9/15</a:t>
             </a:fld>
             <a:endParaRPr kumimoji="1" lang="ja-JP" altLang="en-US"/>
           </a:p>
@@ -2289,7 +2295,7 @@
           <a:p>
             <a:fld id="{39F3AF69-FC96-42F8-9118-FF9CEC7241D0}" type="datetimeFigureOut">
               <a:rPr kumimoji="1" lang="ja-JP" altLang="en-US" smtClean="0"/>
-              <a:t>2020/9/10</a:t>
+              <a:t>2020/9/15</a:t>
             </a:fld>
             <a:endParaRPr kumimoji="1" lang="ja-JP" altLang="en-US"/>
           </a:p>
@@ -2632,7 +2638,7 @@
           <a:p>
             <a:fld id="{39F3AF69-FC96-42F8-9118-FF9CEC7241D0}" type="datetimeFigureOut">
               <a:rPr kumimoji="1" lang="ja-JP" altLang="en-US" smtClean="0"/>
-              <a:t>2020/9/10</a:t>
+              <a:t>2020/9/15</a:t>
             </a:fld>
             <a:endParaRPr kumimoji="1" lang="ja-JP" altLang="en-US"/>
           </a:p>
@@ -2920,7 +2926,7 @@
           <a:p>
             <a:fld id="{39F3AF69-FC96-42F8-9118-FF9CEC7241D0}" type="datetimeFigureOut">
               <a:rPr kumimoji="1" lang="ja-JP" altLang="en-US" smtClean="0"/>
-              <a:t>2020/9/10</a:t>
+              <a:t>2020/9/15</a:t>
             </a:fld>
             <a:endParaRPr kumimoji="1" lang="ja-JP" altLang="en-US"/>
           </a:p>
@@ -3193,7 +3199,7 @@
           <a:p>
             <a:fld id="{39F3AF69-FC96-42F8-9118-FF9CEC7241D0}" type="datetimeFigureOut">
               <a:rPr kumimoji="1" lang="ja-JP" altLang="en-US" smtClean="0"/>
-              <a:t>2020/9/10</a:t>
+              <a:t>2020/9/15</a:t>
             </a:fld>
             <a:endParaRPr kumimoji="1" lang="ja-JP" altLang="en-US"/>
           </a:p>
@@ -3826,6 +3832,101 @@
 </p:sld>
 </file>
 
+<file path=ppt/slides/slide3.xml><?xml version="1.0" encoding="utf-8"?>
+<p:sld xmlns:a="http://schemas.openxmlformats.org/drawingml/2006/main" xmlns:r="http://schemas.openxmlformats.org/officeDocument/2006/relationships" xmlns:p="http://schemas.openxmlformats.org/presentationml/2006/main">
+  <p:cSld>
+    <p:spTree>
+      <p:nvGrpSpPr>
+        <p:cNvPr id="1" name=""/>
+        <p:cNvGrpSpPr/>
+        <p:nvPr/>
+      </p:nvGrpSpPr>
+      <p:grpSpPr>
+        <a:xfrm>
+          <a:off x="0" y="0"/>
+          <a:ext cx="0" cy="0"/>
+          <a:chOff x="0" y="0"/>
+          <a:chExt cx="0" cy="0"/>
+        </a:xfrm>
+      </p:grpSpPr>
+      <p:sp>
+        <p:nvSpPr>
+          <p:cNvPr id="2" name="タイトル 1">
+            <a:extLst>
+              <a:ext uri="{FF2B5EF4-FFF2-40B4-BE49-F238E27FC236}">
+                <a16:creationId xmlns:a16="http://schemas.microsoft.com/office/drawing/2014/main" id="{81B95EFF-FDDC-47BF-AA47-4FA4FF022B96}"/>
+              </a:ext>
+            </a:extLst>
+          </p:cNvPr>
+          <p:cNvSpPr>
+            <a:spLocks noGrp="1"/>
+          </p:cNvSpPr>
+          <p:nvPr>
+            <p:ph type="title"/>
+          </p:nvPr>
+        </p:nvSpPr>
+        <p:spPr/>
+        <p:txBody>
+          <a:bodyPr/>
+          <a:lstStyle/>
+          <a:p>
+            <a:r>
+              <a:rPr kumimoji="1" lang="en-US" altLang="ja-JP" dirty="0"/>
+              <a:t>Wall run</a:t>
+            </a:r>
+            <a:endParaRPr kumimoji="1" lang="ja-JP" altLang="en-US" dirty="0"/>
+          </a:p>
+        </p:txBody>
+      </p:sp>
+      <p:sp>
+        <p:nvSpPr>
+          <p:cNvPr id="3" name="コンテンツ プレースホルダー 2">
+            <a:extLst>
+              <a:ext uri="{FF2B5EF4-FFF2-40B4-BE49-F238E27FC236}">
+                <a16:creationId xmlns:a16="http://schemas.microsoft.com/office/drawing/2014/main" id="{CBF54473-7106-4BAA-969C-3BE3D873B5CF}"/>
+              </a:ext>
+            </a:extLst>
+          </p:cNvPr>
+          <p:cNvSpPr>
+            <a:spLocks noGrp="1"/>
+          </p:cNvSpPr>
+          <p:nvPr>
+            <p:ph idx="1"/>
+          </p:nvPr>
+        </p:nvSpPr>
+        <p:spPr/>
+        <p:txBody>
+          <a:bodyPr/>
+          <a:lstStyle/>
+          <a:p>
+            <a:r>
+              <a:rPr kumimoji="1" lang="ja-JP" altLang="en-US" dirty="0"/>
+              <a:t>右に当たったら右の壁の法線ベクトルに合わせてプレイヤーの位置を修正して</a:t>
+            </a:r>
+            <a:r>
+              <a:rPr kumimoji="1" lang="en-US" altLang="ja-JP" dirty="0" err="1"/>
+              <a:t>fowald</a:t>
+            </a:r>
+            <a:r>
+              <a:rPr kumimoji="1" lang="ja-JP" altLang="en-US" dirty="0"/>
+              <a:t>方向に移動。</a:t>
+            </a:r>
+          </a:p>
+        </p:txBody>
+      </p:sp>
+    </p:spTree>
+    <p:extLst>
+      <p:ext uri="{BB962C8B-B14F-4D97-AF65-F5344CB8AC3E}">
+        <p14:creationId xmlns:p14="http://schemas.microsoft.com/office/powerpoint/2010/main" val="1891455171"/>
+      </p:ext>
+    </p:extLst>
+  </p:cSld>
+  <p:clrMapOvr>
+    <a:masterClrMapping/>
+  </p:clrMapOvr>
+</p:sld>
+</file>
+
 <file path=ppt/theme/theme1.xml><?xml version="1.0" encoding="utf-8"?>
 <a:theme xmlns:a="http://schemas.openxmlformats.org/drawingml/2006/main" name="Office テーマ">
   <a:themeElements>

--- a/4年生前期末特別制作企画書.pptx
+++ b/4年生前期末特別制作企画書.pptx
@@ -8,6 +8,7 @@
     <p:sldId id="256" r:id="rId2"/>
     <p:sldId id="257" r:id="rId3"/>
     <p:sldId id="258" r:id="rId4"/>
+    <p:sldId id="259" r:id="rId5"/>
   </p:sldIdLst>
   <p:sldSz cx="12192000" cy="6858000"/>
   <p:notesSz cx="6858000" cy="9144000"/>
@@ -261,7 +262,7 @@
           <a:p>
             <a:fld id="{39F3AF69-FC96-42F8-9118-FF9CEC7241D0}" type="datetimeFigureOut">
               <a:rPr kumimoji="1" lang="ja-JP" altLang="en-US" smtClean="0"/>
-              <a:t>2020/9/15</a:t>
+              <a:t>2020/9/24</a:t>
             </a:fld>
             <a:endParaRPr kumimoji="1" lang="ja-JP" altLang="en-US"/>
           </a:p>
@@ -491,7 +492,7 @@
           <a:p>
             <a:fld id="{39F3AF69-FC96-42F8-9118-FF9CEC7241D0}" type="datetimeFigureOut">
               <a:rPr kumimoji="1" lang="ja-JP" altLang="en-US" smtClean="0"/>
-              <a:t>2020/9/15</a:t>
+              <a:t>2020/9/24</a:t>
             </a:fld>
             <a:endParaRPr kumimoji="1" lang="ja-JP" altLang="en-US"/>
           </a:p>
@@ -731,7 +732,7 @@
           <a:p>
             <a:fld id="{39F3AF69-FC96-42F8-9118-FF9CEC7241D0}" type="datetimeFigureOut">
               <a:rPr kumimoji="1" lang="ja-JP" altLang="en-US" smtClean="0"/>
-              <a:t>2020/9/15</a:t>
+              <a:t>2020/9/24</a:t>
             </a:fld>
             <a:endParaRPr kumimoji="1" lang="ja-JP" altLang="en-US"/>
           </a:p>
@@ -961,7 +962,7 @@
           <a:p>
             <a:fld id="{39F3AF69-FC96-42F8-9118-FF9CEC7241D0}" type="datetimeFigureOut">
               <a:rPr kumimoji="1" lang="ja-JP" altLang="en-US" smtClean="0"/>
-              <a:t>2020/9/15</a:t>
+              <a:t>2020/9/24</a:t>
             </a:fld>
             <a:endParaRPr kumimoji="1" lang="ja-JP" altLang="en-US"/>
           </a:p>
@@ -1236,7 +1237,7 @@
           <a:p>
             <a:fld id="{39F3AF69-FC96-42F8-9118-FF9CEC7241D0}" type="datetimeFigureOut">
               <a:rPr kumimoji="1" lang="ja-JP" altLang="en-US" smtClean="0"/>
-              <a:t>2020/9/15</a:t>
+              <a:t>2020/9/24</a:t>
             </a:fld>
             <a:endParaRPr kumimoji="1" lang="ja-JP" altLang="en-US"/>
           </a:p>
@@ -1565,7 +1566,7 @@
           <a:p>
             <a:fld id="{39F3AF69-FC96-42F8-9118-FF9CEC7241D0}" type="datetimeFigureOut">
               <a:rPr kumimoji="1" lang="ja-JP" altLang="en-US" smtClean="0"/>
-              <a:t>2020/9/15</a:t>
+              <a:t>2020/9/24</a:t>
             </a:fld>
             <a:endParaRPr kumimoji="1" lang="ja-JP" altLang="en-US"/>
           </a:p>
@@ -2041,7 +2042,7 @@
           <a:p>
             <a:fld id="{39F3AF69-FC96-42F8-9118-FF9CEC7241D0}" type="datetimeFigureOut">
               <a:rPr kumimoji="1" lang="ja-JP" altLang="en-US" smtClean="0"/>
-              <a:t>2020/9/15</a:t>
+              <a:t>2020/9/24</a:t>
             </a:fld>
             <a:endParaRPr kumimoji="1" lang="ja-JP" altLang="en-US"/>
           </a:p>
@@ -2182,7 +2183,7 @@
           <a:p>
             <a:fld id="{39F3AF69-FC96-42F8-9118-FF9CEC7241D0}" type="datetimeFigureOut">
               <a:rPr kumimoji="1" lang="ja-JP" altLang="en-US" smtClean="0"/>
-              <a:t>2020/9/15</a:t>
+              <a:t>2020/9/24</a:t>
             </a:fld>
             <a:endParaRPr kumimoji="1" lang="ja-JP" altLang="en-US"/>
           </a:p>
@@ -2295,7 +2296,7 @@
           <a:p>
             <a:fld id="{39F3AF69-FC96-42F8-9118-FF9CEC7241D0}" type="datetimeFigureOut">
               <a:rPr kumimoji="1" lang="ja-JP" altLang="en-US" smtClean="0"/>
-              <a:t>2020/9/15</a:t>
+              <a:t>2020/9/24</a:t>
             </a:fld>
             <a:endParaRPr kumimoji="1" lang="ja-JP" altLang="en-US"/>
           </a:p>
@@ -2638,7 +2639,7 @@
           <a:p>
             <a:fld id="{39F3AF69-FC96-42F8-9118-FF9CEC7241D0}" type="datetimeFigureOut">
               <a:rPr kumimoji="1" lang="ja-JP" altLang="en-US" smtClean="0"/>
-              <a:t>2020/9/15</a:t>
+              <a:t>2020/9/24</a:t>
             </a:fld>
             <a:endParaRPr kumimoji="1" lang="ja-JP" altLang="en-US"/>
           </a:p>
@@ -2926,7 +2927,7 @@
           <a:p>
             <a:fld id="{39F3AF69-FC96-42F8-9118-FF9CEC7241D0}" type="datetimeFigureOut">
               <a:rPr kumimoji="1" lang="ja-JP" altLang="en-US" smtClean="0"/>
-              <a:t>2020/9/15</a:t>
+              <a:t>2020/9/24</a:t>
             </a:fld>
             <a:endParaRPr kumimoji="1" lang="ja-JP" altLang="en-US"/>
           </a:p>
@@ -3199,7 +3200,7 @@
           <a:p>
             <a:fld id="{39F3AF69-FC96-42F8-9118-FF9CEC7241D0}" type="datetimeFigureOut">
               <a:rPr kumimoji="1" lang="ja-JP" altLang="en-US" smtClean="0"/>
-              <a:t>2020/9/15</a:t>
+              <a:t>2020/9/24</a:t>
             </a:fld>
             <a:endParaRPr kumimoji="1" lang="ja-JP" altLang="en-US"/>
           </a:p>
@@ -3927,6 +3928,93 @@
 </p:sld>
 </file>
 
+<file path=ppt/slides/slide4.xml><?xml version="1.0" encoding="utf-8"?>
+<p:sld xmlns:a="http://schemas.openxmlformats.org/drawingml/2006/main" xmlns:r="http://schemas.openxmlformats.org/officeDocument/2006/relationships" xmlns:p="http://schemas.openxmlformats.org/presentationml/2006/main">
+  <p:cSld>
+    <p:spTree>
+      <p:nvGrpSpPr>
+        <p:cNvPr id="1" name=""/>
+        <p:cNvGrpSpPr/>
+        <p:nvPr/>
+      </p:nvGrpSpPr>
+      <p:grpSpPr>
+        <a:xfrm>
+          <a:off x="0" y="0"/>
+          <a:ext cx="0" cy="0"/>
+          <a:chOff x="0" y="0"/>
+          <a:chExt cx="0" cy="0"/>
+        </a:xfrm>
+      </p:grpSpPr>
+      <p:sp>
+        <p:nvSpPr>
+          <p:cNvPr id="2" name="タイトル 1">
+            <a:extLst>
+              <a:ext uri="{FF2B5EF4-FFF2-40B4-BE49-F238E27FC236}">
+                <a16:creationId xmlns:a16="http://schemas.microsoft.com/office/drawing/2014/main" id="{F5617597-DD73-486F-A177-E2B50D28DE28}"/>
+              </a:ext>
+            </a:extLst>
+          </p:cNvPr>
+          <p:cNvSpPr>
+            <a:spLocks noGrp="1"/>
+          </p:cNvSpPr>
+          <p:nvPr>
+            <p:ph type="title"/>
+          </p:nvPr>
+        </p:nvSpPr>
+        <p:spPr/>
+        <p:txBody>
+          <a:bodyPr/>
+          <a:lstStyle/>
+          <a:p>
+            <a:r>
+              <a:rPr kumimoji="1" lang="ja-JP" altLang="en-US" dirty="0"/>
+              <a:t>タイトル</a:t>
+            </a:r>
+          </a:p>
+        </p:txBody>
+      </p:sp>
+      <p:sp>
+        <p:nvSpPr>
+          <p:cNvPr id="3" name="コンテンツ プレースホルダー 2">
+            <a:extLst>
+              <a:ext uri="{FF2B5EF4-FFF2-40B4-BE49-F238E27FC236}">
+                <a16:creationId xmlns:a16="http://schemas.microsoft.com/office/drawing/2014/main" id="{3CD309E5-A54B-4109-B1E6-EDDA8839FD1D}"/>
+              </a:ext>
+            </a:extLst>
+          </p:cNvPr>
+          <p:cNvSpPr>
+            <a:spLocks noGrp="1"/>
+          </p:cNvSpPr>
+          <p:nvPr>
+            <p:ph idx="1"/>
+          </p:nvPr>
+        </p:nvSpPr>
+        <p:spPr/>
+        <p:txBody>
+          <a:bodyPr/>
+          <a:lstStyle/>
+          <a:p>
+            <a:r>
+              <a:rPr kumimoji="1" lang="en-US" altLang="ja-JP" dirty="0"/>
+              <a:t>Neon Runner</a:t>
+            </a:r>
+            <a:endParaRPr kumimoji="1" lang="ja-JP" altLang="en-US" dirty="0"/>
+          </a:p>
+        </p:txBody>
+      </p:sp>
+    </p:spTree>
+    <p:extLst>
+      <p:ext uri="{BB962C8B-B14F-4D97-AF65-F5344CB8AC3E}">
+        <p14:creationId xmlns:p14="http://schemas.microsoft.com/office/powerpoint/2010/main" val="3015073479"/>
+      </p:ext>
+    </p:extLst>
+  </p:cSld>
+  <p:clrMapOvr>
+    <a:masterClrMapping/>
+  </p:clrMapOvr>
+</p:sld>
+</file>
+
 <file path=ppt/theme/theme1.xml><?xml version="1.0" encoding="utf-8"?>
 <a:theme xmlns:a="http://schemas.openxmlformats.org/drawingml/2006/main" name="Office テーマ">
   <a:themeElements>

--- a/4年生前期末特別制作企画書.pptx
+++ b/4年生前期末特別制作企画書.pptx
@@ -9,6 +9,7 @@
     <p:sldId id="257" r:id="rId3"/>
     <p:sldId id="258" r:id="rId4"/>
     <p:sldId id="259" r:id="rId5"/>
+    <p:sldId id="260" r:id="rId6"/>
   </p:sldIdLst>
   <p:sldSz cx="12192000" cy="6858000"/>
   <p:notesSz cx="6858000" cy="9144000"/>
@@ -262,7 +263,7 @@
           <a:p>
             <a:fld id="{39F3AF69-FC96-42F8-9118-FF9CEC7241D0}" type="datetimeFigureOut">
               <a:rPr kumimoji="1" lang="ja-JP" altLang="en-US" smtClean="0"/>
-              <a:t>2020/9/24</a:t>
+              <a:t>2020/10/2</a:t>
             </a:fld>
             <a:endParaRPr kumimoji="1" lang="ja-JP" altLang="en-US"/>
           </a:p>
@@ -492,7 +493,7 @@
           <a:p>
             <a:fld id="{39F3AF69-FC96-42F8-9118-FF9CEC7241D0}" type="datetimeFigureOut">
               <a:rPr kumimoji="1" lang="ja-JP" altLang="en-US" smtClean="0"/>
-              <a:t>2020/9/24</a:t>
+              <a:t>2020/10/2</a:t>
             </a:fld>
             <a:endParaRPr kumimoji="1" lang="ja-JP" altLang="en-US"/>
           </a:p>
@@ -732,7 +733,7 @@
           <a:p>
             <a:fld id="{39F3AF69-FC96-42F8-9118-FF9CEC7241D0}" type="datetimeFigureOut">
               <a:rPr kumimoji="1" lang="ja-JP" altLang="en-US" smtClean="0"/>
-              <a:t>2020/9/24</a:t>
+              <a:t>2020/10/2</a:t>
             </a:fld>
             <a:endParaRPr kumimoji="1" lang="ja-JP" altLang="en-US"/>
           </a:p>
@@ -962,7 +963,7 @@
           <a:p>
             <a:fld id="{39F3AF69-FC96-42F8-9118-FF9CEC7241D0}" type="datetimeFigureOut">
               <a:rPr kumimoji="1" lang="ja-JP" altLang="en-US" smtClean="0"/>
-              <a:t>2020/9/24</a:t>
+              <a:t>2020/10/2</a:t>
             </a:fld>
             <a:endParaRPr kumimoji="1" lang="ja-JP" altLang="en-US"/>
           </a:p>
@@ -1237,7 +1238,7 @@
           <a:p>
             <a:fld id="{39F3AF69-FC96-42F8-9118-FF9CEC7241D0}" type="datetimeFigureOut">
               <a:rPr kumimoji="1" lang="ja-JP" altLang="en-US" smtClean="0"/>
-              <a:t>2020/9/24</a:t>
+              <a:t>2020/10/2</a:t>
             </a:fld>
             <a:endParaRPr kumimoji="1" lang="ja-JP" altLang="en-US"/>
           </a:p>
@@ -1566,7 +1567,7 @@
           <a:p>
             <a:fld id="{39F3AF69-FC96-42F8-9118-FF9CEC7241D0}" type="datetimeFigureOut">
               <a:rPr kumimoji="1" lang="ja-JP" altLang="en-US" smtClean="0"/>
-              <a:t>2020/9/24</a:t>
+              <a:t>2020/10/2</a:t>
             </a:fld>
             <a:endParaRPr kumimoji="1" lang="ja-JP" altLang="en-US"/>
           </a:p>
@@ -2042,7 +2043,7 @@
           <a:p>
             <a:fld id="{39F3AF69-FC96-42F8-9118-FF9CEC7241D0}" type="datetimeFigureOut">
               <a:rPr kumimoji="1" lang="ja-JP" altLang="en-US" smtClean="0"/>
-              <a:t>2020/9/24</a:t>
+              <a:t>2020/10/2</a:t>
             </a:fld>
             <a:endParaRPr kumimoji="1" lang="ja-JP" altLang="en-US"/>
           </a:p>
@@ -2183,7 +2184,7 @@
           <a:p>
             <a:fld id="{39F3AF69-FC96-42F8-9118-FF9CEC7241D0}" type="datetimeFigureOut">
               <a:rPr kumimoji="1" lang="ja-JP" altLang="en-US" smtClean="0"/>
-              <a:t>2020/9/24</a:t>
+              <a:t>2020/10/2</a:t>
             </a:fld>
             <a:endParaRPr kumimoji="1" lang="ja-JP" altLang="en-US"/>
           </a:p>
@@ -2296,7 +2297,7 @@
           <a:p>
             <a:fld id="{39F3AF69-FC96-42F8-9118-FF9CEC7241D0}" type="datetimeFigureOut">
               <a:rPr kumimoji="1" lang="ja-JP" altLang="en-US" smtClean="0"/>
-              <a:t>2020/9/24</a:t>
+              <a:t>2020/10/2</a:t>
             </a:fld>
             <a:endParaRPr kumimoji="1" lang="ja-JP" altLang="en-US"/>
           </a:p>
@@ -2639,7 +2640,7 @@
           <a:p>
             <a:fld id="{39F3AF69-FC96-42F8-9118-FF9CEC7241D0}" type="datetimeFigureOut">
               <a:rPr kumimoji="1" lang="ja-JP" altLang="en-US" smtClean="0"/>
-              <a:t>2020/9/24</a:t>
+              <a:t>2020/10/2</a:t>
             </a:fld>
             <a:endParaRPr kumimoji="1" lang="ja-JP" altLang="en-US"/>
           </a:p>
@@ -2927,7 +2928,7 @@
           <a:p>
             <a:fld id="{39F3AF69-FC96-42F8-9118-FF9CEC7241D0}" type="datetimeFigureOut">
               <a:rPr kumimoji="1" lang="ja-JP" altLang="en-US" smtClean="0"/>
-              <a:t>2020/9/24</a:t>
+              <a:t>2020/10/2</a:t>
             </a:fld>
             <a:endParaRPr kumimoji="1" lang="ja-JP" altLang="en-US"/>
           </a:p>
@@ -3200,7 +3201,7 @@
           <a:p>
             <a:fld id="{39F3AF69-FC96-42F8-9118-FF9CEC7241D0}" type="datetimeFigureOut">
               <a:rPr kumimoji="1" lang="ja-JP" altLang="en-US" smtClean="0"/>
-              <a:t>2020/9/24</a:t>
+              <a:t>2020/10/2</a:t>
             </a:fld>
             <a:endParaRPr kumimoji="1" lang="ja-JP" altLang="en-US"/>
           </a:p>
@@ -4002,10 +4003,152 @@
           </a:p>
         </p:txBody>
       </p:sp>
+      <p:sp>
+        <p:nvSpPr>
+          <p:cNvPr id="4" name="正方形/長方形 3">
+            <a:extLst>
+              <a:ext uri="{FF2B5EF4-FFF2-40B4-BE49-F238E27FC236}">
+                <a16:creationId xmlns:a16="http://schemas.microsoft.com/office/drawing/2014/main" id="{321D3F90-ACC7-4B0F-87BE-0849B74EF394}"/>
+              </a:ext>
+            </a:extLst>
+          </p:cNvPr>
+          <p:cNvSpPr/>
+          <p:nvPr/>
+        </p:nvSpPr>
+        <p:spPr>
+          <a:xfrm>
+            <a:off x="5612534" y="3244334"/>
+            <a:ext cx="966931" cy="369332"/>
+          </a:xfrm>
+          <a:prstGeom prst="rect">
+            <a:avLst/>
+          </a:prstGeom>
+        </p:spPr>
+        <p:txBody>
+          <a:bodyPr wrap="none">
+            <a:spAutoFit/>
+          </a:bodyPr>
+          <a:lstStyle/>
+          <a:p>
+            <a:r>
+              <a:rPr lang="en-US" altLang="ja-JP" dirty="0">
+                <a:solidFill>
+                  <a:srgbClr val="4D5156"/>
+                </a:solidFill>
+                <a:latin typeface="arial" panose="020B0604020202020204" pitchFamily="34" charset="0"/>
+              </a:rPr>
+              <a:t>parkour</a:t>
+            </a:r>
+            <a:endParaRPr lang="ja-JP" altLang="en-US" dirty="0"/>
+          </a:p>
+        </p:txBody>
+      </p:sp>
     </p:spTree>
     <p:extLst>
       <p:ext uri="{BB962C8B-B14F-4D97-AF65-F5344CB8AC3E}">
         <p14:creationId xmlns:p14="http://schemas.microsoft.com/office/powerpoint/2010/main" val="3015073479"/>
+      </p:ext>
+    </p:extLst>
+  </p:cSld>
+  <p:clrMapOvr>
+    <a:masterClrMapping/>
+  </p:clrMapOvr>
+</p:sld>
+</file>
+
+<file path=ppt/slides/slide5.xml><?xml version="1.0" encoding="utf-8"?>
+<p:sld xmlns:a="http://schemas.openxmlformats.org/drawingml/2006/main" xmlns:r="http://schemas.openxmlformats.org/officeDocument/2006/relationships" xmlns:p="http://schemas.openxmlformats.org/presentationml/2006/main">
+  <p:cSld>
+    <p:spTree>
+      <p:nvGrpSpPr>
+        <p:cNvPr id="1" name=""/>
+        <p:cNvGrpSpPr/>
+        <p:nvPr/>
+      </p:nvGrpSpPr>
+      <p:grpSpPr>
+        <a:xfrm>
+          <a:off x="0" y="0"/>
+          <a:ext cx="0" cy="0"/>
+          <a:chOff x="0" y="0"/>
+          <a:chExt cx="0" cy="0"/>
+        </a:xfrm>
+      </p:grpSpPr>
+      <p:sp>
+        <p:nvSpPr>
+          <p:cNvPr id="2" name="タイトル 1">
+            <a:extLst>
+              <a:ext uri="{FF2B5EF4-FFF2-40B4-BE49-F238E27FC236}">
+                <a16:creationId xmlns:a16="http://schemas.microsoft.com/office/drawing/2014/main" id="{71E38B56-D6F2-47C2-9B04-F31220579540}"/>
+              </a:ext>
+            </a:extLst>
+          </p:cNvPr>
+          <p:cNvSpPr>
+            <a:spLocks noGrp="1"/>
+          </p:cNvSpPr>
+          <p:nvPr>
+            <p:ph type="title"/>
+          </p:nvPr>
+        </p:nvSpPr>
+        <p:spPr/>
+        <p:txBody>
+          <a:bodyPr/>
+          <a:lstStyle/>
+          <a:p>
+            <a:r>
+              <a:rPr kumimoji="1" lang="ja-JP" altLang="en-US" dirty="0"/>
+              <a:t>カメラ</a:t>
+            </a:r>
+          </a:p>
+        </p:txBody>
+      </p:sp>
+      <p:sp>
+        <p:nvSpPr>
+          <p:cNvPr id="3" name="コンテンツ プレースホルダー 2">
+            <a:extLst>
+              <a:ext uri="{FF2B5EF4-FFF2-40B4-BE49-F238E27FC236}">
+                <a16:creationId xmlns:a16="http://schemas.microsoft.com/office/drawing/2014/main" id="{A2B45AB9-6856-49C5-A3D0-CE00D324B36F}"/>
+              </a:ext>
+            </a:extLst>
+          </p:cNvPr>
+          <p:cNvSpPr>
+            <a:spLocks noGrp="1"/>
+          </p:cNvSpPr>
+          <p:nvPr>
+            <p:ph idx="1"/>
+          </p:nvPr>
+        </p:nvSpPr>
+        <p:spPr/>
+        <p:txBody>
+          <a:bodyPr/>
+          <a:lstStyle/>
+          <a:p>
+            <a:r>
+              <a:rPr kumimoji="1" lang="ja-JP" altLang="en-US" dirty="0"/>
+              <a:t>速度が上がったらカメラが置いてかれる感じ。</a:t>
+            </a:r>
+            <a:endParaRPr kumimoji="1" lang="en-US" altLang="ja-JP" dirty="0"/>
+          </a:p>
+          <a:p>
+            <a:r>
+              <a:rPr lang="ja-JP" altLang="en-US" dirty="0"/>
+              <a:t>もしくは</a:t>
+            </a:r>
+            <a:r>
+              <a:rPr lang="en-US" altLang="ja-JP" dirty="0" err="1"/>
+              <a:t>Fov</a:t>
+            </a:r>
+            <a:r>
+              <a:rPr lang="ja-JP" altLang="en-US" dirty="0"/>
+              <a:t>を上げたり下げたり。</a:t>
+            </a:r>
+            <a:endParaRPr kumimoji="1" lang="ja-JP" altLang="en-US" dirty="0"/>
+          </a:p>
+        </p:txBody>
+      </p:sp>
+    </p:spTree>
+    <p:extLst>
+      <p:ext uri="{BB962C8B-B14F-4D97-AF65-F5344CB8AC3E}">
+        <p14:creationId xmlns:p14="http://schemas.microsoft.com/office/powerpoint/2010/main" val="651202791"/>
       </p:ext>
     </p:extLst>
   </p:cSld>
